--- a/Lecture 4 - Geometric View of Data.pptx
+++ b/Lecture 4 - Geometric View of Data.pptx
@@ -267,7 +267,7 @@
           <a:p>
             <a:fld id="{3FE918EF-26F2-F641-9B39-65E2E78847ED}" type="datetimeFigureOut">
               <a:rPr lang="en-US" smtClean="0"/>
-              <a:t>10/4/2019</a:t>
+              <a:t>10/25/2019</a:t>
             </a:fld>
             <a:endParaRPr lang="en-US"/>
           </a:p>
@@ -912,7 +912,7 @@
             <a:fld id="{23A271A1-F6D6-438B-A432-4747EE7ECD40}" type="datetimeFigureOut">
               <a:rPr lang="en-US" smtClean="0"/>
               <a:pPr algn="ctr" eaLnBrk="1" latinLnBrk="0" hangingPunct="1"/>
-              <a:t>10/4/2019</a:t>
+              <a:t>10/25/2019</a:t>
             </a:fld>
             <a:endParaRPr lang="en-US" sz="2000" dirty="0">
               <a:solidFill>
@@ -1119,7 +1119,7 @@
             <a:fld id="{23A271A1-F6D6-438B-A432-4747EE7ECD40}" type="datetimeFigureOut">
               <a:rPr lang="en-US" smtClean="0"/>
               <a:pPr eaLnBrk="1" latinLnBrk="0" hangingPunct="1"/>
-              <a:t>10/4/2019</a:t>
+              <a:t>10/25/2019</a:t>
             </a:fld>
             <a:endParaRPr lang="en-US"/>
           </a:p>
@@ -1307,7 +1307,7 @@
             <a:fld id="{23A271A1-F6D6-438B-A432-4747EE7ECD40}" type="datetimeFigureOut">
               <a:rPr lang="en-US" smtClean="0"/>
               <a:pPr eaLnBrk="1" latinLnBrk="0" hangingPunct="1"/>
-              <a:t>10/4/2019</a:t>
+              <a:t>10/25/2019</a:t>
             </a:fld>
             <a:endParaRPr lang="en-US" dirty="0"/>
           </a:p>
@@ -1766,7 +1766,7 @@
             <a:fld id="{23A271A1-F6D6-438B-A432-4747EE7ECD40}" type="datetimeFigureOut">
               <a:rPr lang="en-US" smtClean="0"/>
               <a:pPr eaLnBrk="1" latinLnBrk="0" hangingPunct="1"/>
-              <a:t>10/4/2019</a:t>
+              <a:t>10/25/2019</a:t>
             </a:fld>
             <a:endParaRPr lang="en-US" dirty="0"/>
           </a:p>
@@ -2189,7 +2189,7 @@
             <a:fld id="{23A271A1-F6D6-438B-A432-4747EE7ECD40}" type="datetimeFigureOut">
               <a:rPr lang="en-US" smtClean="0"/>
               <a:pPr eaLnBrk="1" latinLnBrk="0" hangingPunct="1"/>
-              <a:t>10/4/2019</a:t>
+              <a:t>10/25/2019</a:t>
             </a:fld>
             <a:endParaRPr lang="en-US"/>
           </a:p>
@@ -2439,7 +2439,7 @@
             <a:fld id="{23A271A1-F6D6-438B-A432-4747EE7ECD40}" type="datetimeFigureOut">
               <a:rPr lang="en-US" smtClean="0"/>
               <a:pPr eaLnBrk="1" latinLnBrk="0" hangingPunct="1"/>
-              <a:t>10/4/2019</a:t>
+              <a:t>10/25/2019</a:t>
             </a:fld>
             <a:endParaRPr lang="en-US"/>
           </a:p>
@@ -2679,7 +2679,7 @@
             <a:fld id="{23A271A1-F6D6-438B-A432-4747EE7ECD40}" type="datetimeFigureOut">
               <a:rPr lang="en-US" smtClean="0"/>
               <a:pPr eaLnBrk="1" latinLnBrk="0" hangingPunct="1"/>
-              <a:t>10/4/2019</a:t>
+              <a:t>10/25/2019</a:t>
             </a:fld>
             <a:endParaRPr lang="en-US"/>
           </a:p>
@@ -2878,7 +2878,7 @@
             <a:fld id="{23A271A1-F6D6-438B-A432-4747EE7ECD40}" type="datetimeFigureOut">
               <a:rPr lang="en-US" smtClean="0"/>
               <a:pPr eaLnBrk="1" latinLnBrk="0" hangingPunct="1"/>
-              <a:t>10/4/2019</a:t>
+              <a:t>10/25/2019</a:t>
             </a:fld>
             <a:endParaRPr lang="en-US"/>
           </a:p>
@@ -2983,7 +2983,7 @@
             <a:fld id="{23A271A1-F6D6-438B-A432-4747EE7ECD40}" type="datetimeFigureOut">
               <a:rPr lang="en-US" smtClean="0"/>
               <a:pPr eaLnBrk="1" latinLnBrk="0" hangingPunct="1"/>
-              <a:t>10/4/2019</a:t>
+              <a:t>10/25/2019</a:t>
             </a:fld>
             <a:endParaRPr lang="en-US"/>
           </a:p>
@@ -3126,7 +3126,7 @@
             <a:fld id="{23A271A1-F6D6-438B-A432-4747EE7ECD40}" type="datetimeFigureOut">
               <a:rPr lang="en-US" smtClean="0"/>
               <a:pPr eaLnBrk="1" latinLnBrk="0" hangingPunct="1"/>
-              <a:t>10/4/2019</a:t>
+              <a:t>10/25/2019</a:t>
             </a:fld>
             <a:endParaRPr lang="en-US"/>
           </a:p>
@@ -3651,7 +3651,7 @@
             <a:fld id="{23A271A1-F6D6-438B-A432-4747EE7ECD40}" type="datetimeFigureOut">
               <a:rPr lang="en-US" smtClean="0"/>
               <a:pPr eaLnBrk="1" latinLnBrk="0" hangingPunct="1"/>
-              <a:t>10/4/2019</a:t>
+              <a:t>10/25/2019</a:t>
             </a:fld>
             <a:endParaRPr lang="en-US"/>
           </a:p>
@@ -3916,7 +3916,7 @@
             <a:fld id="{23A271A1-F6D6-438B-A432-4747EE7ECD40}" type="datetimeFigureOut">
               <a:rPr lang="en-US" smtClean="0"/>
               <a:pPr eaLnBrk="1" latinLnBrk="0" hangingPunct="1"/>
-              <a:t>10/4/2019</a:t>
+              <a:t>10/25/2019</a:t>
             </a:fld>
             <a:endParaRPr lang="en-US" sz="1400" dirty="0">
               <a:solidFill>
@@ -4812,7 +4812,27 @@
                 <a:latin typeface="Arial"/>
                 <a:cs typeface="Arial"/>
               </a:rPr>
-              <a:t>CSE419 – Artificial Intelligence and Machine Learning 2018</a:t>
+              <a:t>CSE419 – Artificial Intelligence and Machine </a:t>
+            </a:r>
+            <a:r>
+              <a:rPr lang="en-US" sz="4400" spc="-265" smtClean="0">
+                <a:solidFill>
+                  <a:srgbClr val="000000"/>
+                </a:solidFill>
+                <a:latin typeface="Arial"/>
+                <a:cs typeface="Arial"/>
+              </a:rPr>
+              <a:t>Learning </a:t>
+            </a:r>
+            <a:r>
+              <a:rPr lang="en-US" sz="4400" spc="-265" smtClean="0">
+                <a:solidFill>
+                  <a:srgbClr val="000000"/>
+                </a:solidFill>
+                <a:latin typeface="Arial"/>
+                <a:cs typeface="Arial"/>
+              </a:rPr>
+              <a:t>2019</a:t>
             </a:r>
             <a:r>
               <a:rPr lang="en-US" sz="4800" spc="-265" dirty="0" smtClean="0">
@@ -27366,7 +27386,7 @@
           <a:graphicData uri="http://schemas.openxmlformats.org/presentationml/2006/ole">
             <mc:AlternateContent xmlns:mc="http://schemas.openxmlformats.org/markup-compatibility/2006">
               <mc:Choice xmlns:v="urn:schemas-microsoft-com:vml" Requires="v">
-                <p:oleObj spid="_x0000_s1143" name="Equation" r:id="rId3" imgW="1943100" imgH="279400" progId="Equation.3">
+                <p:oleObj spid="_x0000_s1144" name="Equation" r:id="rId3" imgW="1943100" imgH="279400" progId="Equation.3">
                   <p:embed/>
                 </p:oleObj>
               </mc:Choice>
@@ -27821,7 +27841,7 @@
           <a:graphicData uri="http://schemas.openxmlformats.org/presentationml/2006/ole">
             <mc:AlternateContent xmlns:mc="http://schemas.openxmlformats.org/markup-compatibility/2006">
               <mc:Choice xmlns:v="urn:schemas-microsoft-com:vml" Requires="v">
-                <p:oleObj spid="_x0000_s32899" name="Equation" r:id="rId3" imgW="114300" imgH="165100" progId="Equation.3">
+                <p:oleObj spid="_x0000_s32901" name="Equation" r:id="rId3" imgW="114300" imgH="165100" progId="Equation.3">
                   <p:embed/>
                 </p:oleObj>
               </mc:Choice>
@@ -27878,7 +27898,7 @@
           <a:graphicData uri="http://schemas.openxmlformats.org/presentationml/2006/ole">
             <mc:AlternateContent xmlns:mc="http://schemas.openxmlformats.org/markup-compatibility/2006">
               <mc:Choice xmlns:v="urn:schemas-microsoft-com:vml" Requires="v">
-                <p:oleObj spid="_x0000_s32900" name="Equation" r:id="rId5" imgW="2857500" imgH="279400" progId="Equation.3">
+                <p:oleObj spid="_x0000_s32902" name="Equation" r:id="rId5" imgW="2857500" imgH="279400" progId="Equation.3">
                   <p:embed/>
                 </p:oleObj>
               </mc:Choice>
